--- a/tutorials/pipelines/tut_nn_con_bud_cla/vector files/fig08_big.pptx
+++ b/tutorials/pipelines/tut_nn_con_bud_cla/vector files/fig08_big.pptx
@@ -243,7 +243,7 @@
           <a:p>
             <a:fld id="{CA1BB51F-BFC6-4DD3-8C2A-5B21FD6F69C3}" type="datetimeFigureOut">
               <a:rPr lang="en-SE" smtClean="0"/>
-              <a:t>10/01/2023</a:t>
+              <a:t>2023-10-08</a:t>
             </a:fld>
             <a:endParaRPr lang="en-SE"/>
           </a:p>
@@ -413,7 +413,7 @@
           <a:p>
             <a:fld id="{CA1BB51F-BFC6-4DD3-8C2A-5B21FD6F69C3}" type="datetimeFigureOut">
               <a:rPr lang="en-SE" smtClean="0"/>
-              <a:t>10/01/2023</a:t>
+              <a:t>2023-10-08</a:t>
             </a:fld>
             <a:endParaRPr lang="en-SE"/>
           </a:p>
@@ -593,7 +593,7 @@
           <a:p>
             <a:fld id="{CA1BB51F-BFC6-4DD3-8C2A-5B21FD6F69C3}" type="datetimeFigureOut">
               <a:rPr lang="en-SE" smtClean="0"/>
-              <a:t>10/01/2023</a:t>
+              <a:t>2023-10-08</a:t>
             </a:fld>
             <a:endParaRPr lang="en-SE"/>
           </a:p>
@@ -763,7 +763,7 @@
           <a:p>
             <a:fld id="{CA1BB51F-BFC6-4DD3-8C2A-5B21FD6F69C3}" type="datetimeFigureOut">
               <a:rPr lang="en-SE" smtClean="0"/>
-              <a:t>10/01/2023</a:t>
+              <a:t>2023-10-08</a:t>
             </a:fld>
             <a:endParaRPr lang="en-SE"/>
           </a:p>
@@ -1009,7 +1009,7 @@
           <a:p>
             <a:fld id="{CA1BB51F-BFC6-4DD3-8C2A-5B21FD6F69C3}" type="datetimeFigureOut">
               <a:rPr lang="en-SE" smtClean="0"/>
-              <a:t>10/01/2023</a:t>
+              <a:t>2023-10-08</a:t>
             </a:fld>
             <a:endParaRPr lang="en-SE"/>
           </a:p>
@@ -1241,7 +1241,7 @@
           <a:p>
             <a:fld id="{CA1BB51F-BFC6-4DD3-8C2A-5B21FD6F69C3}" type="datetimeFigureOut">
               <a:rPr lang="en-SE" smtClean="0"/>
-              <a:t>10/01/2023</a:t>
+              <a:t>2023-10-08</a:t>
             </a:fld>
             <a:endParaRPr lang="en-SE"/>
           </a:p>
@@ -1608,7 +1608,7 @@
           <a:p>
             <a:fld id="{CA1BB51F-BFC6-4DD3-8C2A-5B21FD6F69C3}" type="datetimeFigureOut">
               <a:rPr lang="en-SE" smtClean="0"/>
-              <a:t>10/01/2023</a:t>
+              <a:t>2023-10-08</a:t>
             </a:fld>
             <a:endParaRPr lang="en-SE"/>
           </a:p>
@@ -1726,7 +1726,7 @@
           <a:p>
             <a:fld id="{CA1BB51F-BFC6-4DD3-8C2A-5B21FD6F69C3}" type="datetimeFigureOut">
               <a:rPr lang="en-SE" smtClean="0"/>
-              <a:t>10/01/2023</a:t>
+              <a:t>2023-10-08</a:t>
             </a:fld>
             <a:endParaRPr lang="en-SE"/>
           </a:p>
@@ -1821,7 +1821,7 @@
           <a:p>
             <a:fld id="{CA1BB51F-BFC6-4DD3-8C2A-5B21FD6F69C3}" type="datetimeFigureOut">
               <a:rPr lang="en-SE" smtClean="0"/>
-              <a:t>10/01/2023</a:t>
+              <a:t>2023-10-08</a:t>
             </a:fld>
             <a:endParaRPr lang="en-SE"/>
           </a:p>
@@ -2098,7 +2098,7 @@
           <a:p>
             <a:fld id="{CA1BB51F-BFC6-4DD3-8C2A-5B21FD6F69C3}" type="datetimeFigureOut">
               <a:rPr lang="en-SE" smtClean="0"/>
-              <a:t>10/01/2023</a:t>
+              <a:t>2023-10-08</a:t>
             </a:fld>
             <a:endParaRPr lang="en-SE"/>
           </a:p>
@@ -2355,7 +2355,7 @@
           <a:p>
             <a:fld id="{CA1BB51F-BFC6-4DD3-8C2A-5B21FD6F69C3}" type="datetimeFigureOut">
               <a:rPr lang="en-SE" smtClean="0"/>
-              <a:t>10/01/2023</a:t>
+              <a:t>2023-10-08</a:t>
             </a:fld>
             <a:endParaRPr lang="en-SE"/>
           </a:p>
@@ -2568,7 +2568,7 @@
           <a:p>
             <a:fld id="{CA1BB51F-BFC6-4DD3-8C2A-5B21FD6F69C3}" type="datetimeFigureOut">
               <a:rPr lang="en-SE" smtClean="0"/>
-              <a:t>10/01/2023</a:t>
+              <a:t>2023-10-08</a:t>
             </a:fld>
             <a:endParaRPr lang="en-SE"/>
           </a:p>
@@ -2975,92 +2975,113 @@
       </p:grpSpPr>
       <p:grpSp>
         <p:nvGrpSpPr>
-          <p:cNvPr id="8" name="Group 7">
+          <p:cNvPr id="32" name="Group 31">
             <a:extLst>
               <a:ext uri="{FF2B5EF4-FFF2-40B4-BE49-F238E27FC236}">
-                <a16:creationId xmlns:a16="http://schemas.microsoft.com/office/drawing/2014/main" id="{BC095ED3-E004-6AC6-9A64-F2165A863788}"/>
+                <a16:creationId xmlns:a16="http://schemas.microsoft.com/office/drawing/2014/main" id="{44443C6D-28D9-A064-4428-160A63F33BA0}"/>
               </a:ext>
             </a:extLst>
           </p:cNvPr>
-          <p:cNvGrpSpPr>
-            <a:grpSpLocks noChangeAspect="1"/>
-          </p:cNvGrpSpPr>
+          <p:cNvGrpSpPr/>
           <p:nvPr/>
         </p:nvGrpSpPr>
         <p:grpSpPr>
           <a:xfrm>
-            <a:off x="0" y="109960"/>
-            <a:ext cx="8781998" cy="5266481"/>
-            <a:chOff x="-382682" y="116512"/>
-            <a:chExt cx="8760145" cy="5253376"/>
+            <a:off x="0" y="560742"/>
+            <a:ext cx="8790619" cy="4175523"/>
+            <a:chOff x="0" y="560742"/>
+            <a:chExt cx="8790619" cy="4175523"/>
           </a:xfrm>
         </p:grpSpPr>
-        <p:pic>
-          <p:nvPicPr>
-            <p:cNvPr id="7" name="Picture 6">
+        <p:grpSp>
+          <p:nvGrpSpPr>
+            <p:cNvPr id="18" name="Group 17">
               <a:extLst>
                 <a:ext uri="{FF2B5EF4-FFF2-40B4-BE49-F238E27FC236}">
-                  <a16:creationId xmlns:a16="http://schemas.microsoft.com/office/drawing/2014/main" id="{74D153E5-6D02-BDA7-D0D5-83AA927C1405}"/>
+                  <a16:creationId xmlns:a16="http://schemas.microsoft.com/office/drawing/2014/main" id="{3B2CA421-7E9E-215D-6EEB-168DE5A22FD5}"/>
                 </a:ext>
               </a:extLst>
             </p:cNvPr>
-            <p:cNvPicPr>
-              <a:picLocks noChangeAspect="1"/>
-            </p:cNvPicPr>
+            <p:cNvGrpSpPr>
+              <a:grpSpLocks noChangeAspect="1"/>
+            </p:cNvGrpSpPr>
             <p:nvPr/>
-          </p:nvPicPr>
-          <p:blipFill>
-            <a:blip r:embed="rId2"/>
-            <a:stretch>
-              <a:fillRect/>
-            </a:stretch>
-          </p:blipFill>
-          <p:spPr>
+          </p:nvGrpSpPr>
+          <p:grpSpPr>
             <a:xfrm>
-              <a:off x="1912711" y="116512"/>
-              <a:ext cx="2315492" cy="5253376"/>
+              <a:off x="0" y="561688"/>
+              <a:ext cx="3945286" cy="4155356"/>
+              <a:chOff x="0" y="0"/>
+              <a:chExt cx="5209041" cy="5486400"/>
             </a:xfrm>
-            <a:prstGeom prst="rect">
-              <a:avLst/>
-            </a:prstGeom>
-          </p:spPr>
-        </p:pic>
+          </p:grpSpPr>
+          <p:pic>
+            <p:nvPicPr>
+              <p:cNvPr id="8" name="Picture 7">
+                <a:extLst>
+                  <a:ext uri="{FF2B5EF4-FFF2-40B4-BE49-F238E27FC236}">
+                    <a16:creationId xmlns:a16="http://schemas.microsoft.com/office/drawing/2014/main" id="{FDFF1866-CF98-30A2-A1BD-CCCADFBAC526}"/>
+                  </a:ext>
+                </a:extLst>
+              </p:cNvPr>
+              <p:cNvPicPr>
+                <a:picLocks noChangeAspect="1"/>
+              </p:cNvPicPr>
+              <p:nvPr/>
+            </p:nvPicPr>
+            <p:blipFill>
+              <a:blip r:embed="rId2"/>
+              <a:stretch>
+                <a:fillRect/>
+              </a:stretch>
+            </p:blipFill>
+            <p:spPr>
+              <a:xfrm>
+                <a:off x="0" y="0"/>
+                <a:ext cx="2579915" cy="5486400"/>
+              </a:xfrm>
+              <a:prstGeom prst="rect">
+                <a:avLst/>
+              </a:prstGeom>
+            </p:spPr>
+          </p:pic>
+          <p:pic>
+            <p:nvPicPr>
+              <p:cNvPr id="10" name="Picture 9">
+                <a:extLst>
+                  <a:ext uri="{FF2B5EF4-FFF2-40B4-BE49-F238E27FC236}">
+                    <a16:creationId xmlns:a16="http://schemas.microsoft.com/office/drawing/2014/main" id="{3EB1F089-E2F7-9F12-E09C-17698F051A1A}"/>
+                  </a:ext>
+                </a:extLst>
+              </p:cNvPr>
+              <p:cNvPicPr>
+                <a:picLocks noChangeAspect="1"/>
+              </p:cNvPicPr>
+              <p:nvPr/>
+            </p:nvPicPr>
+            <p:blipFill>
+              <a:blip r:embed="rId3"/>
+              <a:stretch>
+                <a:fillRect/>
+              </a:stretch>
+            </p:blipFill>
+            <p:spPr>
+              <a:xfrm>
+                <a:off x="2579915" y="0"/>
+                <a:ext cx="2629126" cy="5486400"/>
+              </a:xfrm>
+              <a:prstGeom prst="rect">
+                <a:avLst/>
+              </a:prstGeom>
+            </p:spPr>
+          </p:pic>
+        </p:grpSp>
         <p:pic>
           <p:nvPicPr>
-            <p:cNvPr id="4" name="Picture 3">
+            <p:cNvPr id="24" name="Picture 23">
               <a:extLst>
                 <a:ext uri="{FF2B5EF4-FFF2-40B4-BE49-F238E27FC236}">
-                  <a16:creationId xmlns:a16="http://schemas.microsoft.com/office/drawing/2014/main" id="{4A694E7C-3BEB-3D5D-595D-5C0BBA636A61}"/>
-                </a:ext>
-              </a:extLst>
-            </p:cNvPr>
-            <p:cNvPicPr>
-              <a:picLocks noChangeAspect="1"/>
-            </p:cNvPicPr>
-            <p:nvPr/>
-          </p:nvPicPr>
-          <p:blipFill>
-            <a:blip r:embed="rId3"/>
-            <a:stretch>
-              <a:fillRect/>
-            </a:stretch>
-          </p:blipFill>
-          <p:spPr>
-            <a:xfrm>
-              <a:off x="-382682" y="116512"/>
-              <a:ext cx="2309775" cy="5253376"/>
-            </a:xfrm>
-            <a:prstGeom prst="rect">
-              <a:avLst/>
-            </a:prstGeom>
-          </p:spPr>
-        </p:pic>
-        <p:pic>
-          <p:nvPicPr>
-            <p:cNvPr id="3" name="Picture 2">
-              <a:extLst>
-                <a:ext uri="{FF2B5EF4-FFF2-40B4-BE49-F238E27FC236}">
-                  <a16:creationId xmlns:a16="http://schemas.microsoft.com/office/drawing/2014/main" id="{22D0205C-8EC1-A36E-1613-B2113D262812}"/>
+                  <a16:creationId xmlns:a16="http://schemas.microsoft.com/office/drawing/2014/main" id="{4224D66C-B323-55A8-048E-2C21CEE05D0E}"/>
                 </a:ext>
               </a:extLst>
             </p:cNvPr>
@@ -3077,8 +3098,8 @@
           </p:blipFill>
           <p:spPr>
             <a:xfrm>
-              <a:off x="4218541" y="116512"/>
-              <a:ext cx="2080749" cy="5253376"/>
+              <a:off x="3930547" y="561688"/>
+              <a:ext cx="2894321" cy="4161877"/>
             </a:xfrm>
             <a:prstGeom prst="rect">
               <a:avLst/>
@@ -3087,10 +3108,10 @@
         </p:pic>
         <p:pic>
           <p:nvPicPr>
-            <p:cNvPr id="6" name="Picture 5">
+            <p:cNvPr id="31" name="Picture 30">
               <a:extLst>
                 <a:ext uri="{FF2B5EF4-FFF2-40B4-BE49-F238E27FC236}">
-                  <a16:creationId xmlns:a16="http://schemas.microsoft.com/office/drawing/2014/main" id="{D4397DE1-F5FB-11A4-1250-EEDC6C51BE00}"/>
+                  <a16:creationId xmlns:a16="http://schemas.microsoft.com/office/drawing/2014/main" id="{466BEFA9-F594-AEBF-3305-7DA5C0853E14}"/>
                 </a:ext>
               </a:extLst>
             </p:cNvPr>
@@ -3107,8 +3128,8 @@
           </p:blipFill>
           <p:spPr>
             <a:xfrm>
-              <a:off x="6299290" y="116512"/>
-              <a:ext cx="2078173" cy="5253376"/>
+              <a:off x="6789848" y="560742"/>
+              <a:ext cx="2000771" cy="4175523"/>
             </a:xfrm>
             <a:prstGeom prst="rect">
               <a:avLst/>
@@ -3132,7 +3153,7 @@
         </p:nvSpPr>
         <p:spPr>
           <a:xfrm>
-            <a:off x="7814777" y="855090"/>
+            <a:off x="3056720" y="2998705"/>
             <a:ext cx="508512" cy="508512"/>
           </a:xfrm>
           <a:prstGeom prst="ellipse">
@@ -3197,8 +3218,8 @@
         </p:nvSpPr>
         <p:spPr>
           <a:xfrm>
-            <a:off x="6236698" y="2086928"/>
-            <a:ext cx="362222" cy="188595"/>
+            <a:off x="4637790" y="863962"/>
+            <a:ext cx="204470" cy="226059"/>
           </a:xfrm>
           <a:prstGeom prst="rect">
             <a:avLst/>
@@ -3252,7 +3273,7 @@
         </p:nvSpPr>
         <p:spPr>
           <a:xfrm>
-            <a:off x="5791654" y="1628680"/>
+            <a:off x="3039868" y="1248890"/>
             <a:ext cx="508512" cy="508512"/>
           </a:xfrm>
           <a:prstGeom prst="ellipse">
@@ -3317,8 +3338,8 @@
         </p:nvSpPr>
         <p:spPr>
           <a:xfrm>
-            <a:off x="6745210" y="1329690"/>
-            <a:ext cx="1929964" cy="775336"/>
+            <a:off x="7401984" y="1673576"/>
+            <a:ext cx="361950" cy="167651"/>
           </a:xfrm>
           <a:prstGeom prst="rect">
             <a:avLst/>
@@ -3370,8 +3391,8 @@
         </p:nvSpPr>
         <p:spPr>
           <a:xfrm>
-            <a:off x="5229226" y="4231005"/>
-            <a:ext cx="1266824" cy="147638"/>
+            <a:off x="3504042" y="1853998"/>
+            <a:ext cx="322580" cy="163195"/>
           </a:xfrm>
           <a:prstGeom prst="rect">
             <a:avLst/>
@@ -3406,6 +3427,260 @@
           <a:p>
             <a:pPr algn="ctr"/>
             <a:endParaRPr lang="en-SE"/>
+          </a:p>
+        </p:txBody>
+      </p:sp>
+      <p:sp>
+        <p:nvSpPr>
+          <p:cNvPr id="26" name="Oval 25">
+            <a:extLst>
+              <a:ext uri="{FF2B5EF4-FFF2-40B4-BE49-F238E27FC236}">
+                <a16:creationId xmlns:a16="http://schemas.microsoft.com/office/drawing/2014/main" id="{1210F1E3-EB0A-FEC6-61E7-DC6CF7446208}"/>
+              </a:ext>
+            </a:extLst>
+          </p:cNvPr>
+          <p:cNvSpPr>
+            <a:spLocks noChangeAspect="1"/>
+          </p:cNvSpPr>
+          <p:nvPr/>
+        </p:nvSpPr>
+        <p:spPr>
+          <a:xfrm>
+            <a:off x="4311714" y="1032734"/>
+            <a:ext cx="508512" cy="508512"/>
+          </a:xfrm>
+          <a:prstGeom prst="ellipse">
+            <a:avLst/>
+          </a:prstGeom>
+          <a:solidFill>
+            <a:schemeClr val="accent2">
+              <a:lumMod val="60000"/>
+              <a:lumOff val="40000"/>
+            </a:schemeClr>
+          </a:solidFill>
+          <a:ln>
+            <a:noFill/>
+          </a:ln>
+        </p:spPr>
+        <p:style>
+          <a:lnRef idx="2">
+            <a:schemeClr val="accent1">
+              <a:shade val="15000"/>
+            </a:schemeClr>
+          </a:lnRef>
+          <a:fillRef idx="1">
+            <a:schemeClr val="accent1"/>
+          </a:fillRef>
+          <a:effectRef idx="0">
+            <a:schemeClr val="accent1"/>
+          </a:effectRef>
+          <a:fontRef idx="minor">
+            <a:schemeClr val="lt1"/>
+          </a:fontRef>
+        </p:style>
+        <p:txBody>
+          <a:bodyPr tIns="72000" bIns="108000" rtlCol="0" anchor="ctr"/>
+          <a:lstStyle/>
+          <a:p>
+            <a:pPr algn="ctr"/>
+            <a:r>
+              <a:rPr lang="en-GB" sz="2400" dirty="0">
+                <a:latin typeface="Arial" panose="020B0604020202020204" pitchFamily="34" charset="0"/>
+                <a:cs typeface="Arial" panose="020B0604020202020204" pitchFamily="34" charset="0"/>
+              </a:rPr>
+              <a:t>c</a:t>
+            </a:r>
+            <a:endParaRPr lang="en-SE" sz="2400" dirty="0">
+              <a:latin typeface="Arial" panose="020B0604020202020204" pitchFamily="34" charset="0"/>
+              <a:cs typeface="Arial" panose="020B0604020202020204" pitchFamily="34" charset="0"/>
+            </a:endParaRPr>
+          </a:p>
+        </p:txBody>
+      </p:sp>
+      <p:sp>
+        <p:nvSpPr>
+          <p:cNvPr id="27" name="Oval 26">
+            <a:extLst>
+              <a:ext uri="{FF2B5EF4-FFF2-40B4-BE49-F238E27FC236}">
+                <a16:creationId xmlns:a16="http://schemas.microsoft.com/office/drawing/2014/main" id="{67F5E700-088C-8464-EA50-BDB1F406C6FB}"/>
+              </a:ext>
+            </a:extLst>
+          </p:cNvPr>
+          <p:cNvSpPr>
+            <a:spLocks noChangeAspect="1"/>
+          </p:cNvSpPr>
+          <p:nvPr/>
+        </p:nvSpPr>
+        <p:spPr>
+          <a:xfrm>
+            <a:off x="4511817" y="356345"/>
+            <a:ext cx="508512" cy="508512"/>
+          </a:xfrm>
+          <a:prstGeom prst="ellipse">
+            <a:avLst/>
+          </a:prstGeom>
+          <a:solidFill>
+            <a:schemeClr val="accent2">
+              <a:lumMod val="60000"/>
+              <a:lumOff val="40000"/>
+            </a:schemeClr>
+          </a:solidFill>
+          <a:ln>
+            <a:noFill/>
+          </a:ln>
+        </p:spPr>
+        <p:style>
+          <a:lnRef idx="2">
+            <a:schemeClr val="accent1">
+              <a:shade val="15000"/>
+            </a:schemeClr>
+          </a:lnRef>
+          <a:fillRef idx="1">
+            <a:schemeClr val="accent1"/>
+          </a:fillRef>
+          <a:effectRef idx="0">
+            <a:schemeClr val="accent1"/>
+          </a:effectRef>
+          <a:fontRef idx="minor">
+            <a:schemeClr val="lt1"/>
+          </a:fontRef>
+        </p:style>
+        <p:txBody>
+          <a:bodyPr tIns="72000" bIns="108000" rtlCol="0" anchor="ctr"/>
+          <a:lstStyle/>
+          <a:p>
+            <a:pPr algn="ctr"/>
+            <a:r>
+              <a:rPr lang="en-GB" sz="2400" dirty="0">
+                <a:latin typeface="Arial" panose="020B0604020202020204" pitchFamily="34" charset="0"/>
+                <a:cs typeface="Arial" panose="020B0604020202020204" pitchFamily="34" charset="0"/>
+              </a:rPr>
+              <a:t>d</a:t>
+            </a:r>
+            <a:endParaRPr lang="en-SE" sz="2400" dirty="0">
+              <a:latin typeface="Arial" panose="020B0604020202020204" pitchFamily="34" charset="0"/>
+              <a:cs typeface="Arial" panose="020B0604020202020204" pitchFamily="34" charset="0"/>
+            </a:endParaRPr>
+          </a:p>
+        </p:txBody>
+      </p:sp>
+      <p:sp>
+        <p:nvSpPr>
+          <p:cNvPr id="28" name="Rectangle 27">
+            <a:extLst>
+              <a:ext uri="{FF2B5EF4-FFF2-40B4-BE49-F238E27FC236}">
+                <a16:creationId xmlns:a16="http://schemas.microsoft.com/office/drawing/2014/main" id="{C363259E-73F2-F14F-6CA5-42544FD66573}"/>
+              </a:ext>
+            </a:extLst>
+          </p:cNvPr>
+          <p:cNvSpPr/>
+          <p:nvPr/>
+        </p:nvSpPr>
+        <p:spPr>
+          <a:xfrm>
+            <a:off x="4433320" y="864857"/>
+            <a:ext cx="204470" cy="226059"/>
+          </a:xfrm>
+          <a:prstGeom prst="rect">
+            <a:avLst/>
+          </a:prstGeom>
+          <a:noFill/>
+          <a:ln w="28575">
+            <a:solidFill>
+              <a:srgbClr val="F4B183"/>
+            </a:solidFill>
+            <a:prstDash val="sysDot"/>
+          </a:ln>
+        </p:spPr>
+        <p:style>
+          <a:lnRef idx="2">
+            <a:schemeClr val="accent1">
+              <a:shade val="15000"/>
+            </a:schemeClr>
+          </a:lnRef>
+          <a:fillRef idx="1">
+            <a:schemeClr val="accent1"/>
+          </a:fillRef>
+          <a:effectRef idx="0">
+            <a:schemeClr val="accent1"/>
+          </a:effectRef>
+          <a:fontRef idx="minor">
+            <a:schemeClr val="lt1"/>
+          </a:fontRef>
+        </p:style>
+        <p:txBody>
+          <a:bodyPr rtlCol="0" anchor="ctr"/>
+          <a:lstStyle/>
+          <a:p>
+            <a:pPr algn="ctr"/>
+            <a:endParaRPr lang="en-SE"/>
+          </a:p>
+        </p:txBody>
+      </p:sp>
+      <p:sp>
+        <p:nvSpPr>
+          <p:cNvPr id="29" name="Oval 28">
+            <a:extLst>
+              <a:ext uri="{FF2B5EF4-FFF2-40B4-BE49-F238E27FC236}">
+                <a16:creationId xmlns:a16="http://schemas.microsoft.com/office/drawing/2014/main" id="{9DA4F89B-3253-46FA-70D8-C4132D63AC28}"/>
+              </a:ext>
+            </a:extLst>
+          </p:cNvPr>
+          <p:cNvSpPr>
+            <a:spLocks noChangeAspect="1"/>
+          </p:cNvSpPr>
+          <p:nvPr/>
+        </p:nvSpPr>
+        <p:spPr>
+          <a:xfrm>
+            <a:off x="7330017" y="1837065"/>
+            <a:ext cx="508512" cy="508512"/>
+          </a:xfrm>
+          <a:prstGeom prst="ellipse">
+            <a:avLst/>
+          </a:prstGeom>
+          <a:solidFill>
+            <a:schemeClr val="accent2">
+              <a:lumMod val="60000"/>
+              <a:lumOff val="40000"/>
+            </a:schemeClr>
+          </a:solidFill>
+          <a:ln>
+            <a:noFill/>
+          </a:ln>
+        </p:spPr>
+        <p:style>
+          <a:lnRef idx="2">
+            <a:schemeClr val="accent1">
+              <a:shade val="15000"/>
+            </a:schemeClr>
+          </a:lnRef>
+          <a:fillRef idx="1">
+            <a:schemeClr val="accent1"/>
+          </a:fillRef>
+          <a:effectRef idx="0">
+            <a:schemeClr val="accent1"/>
+          </a:effectRef>
+          <a:fontRef idx="minor">
+            <a:schemeClr val="lt1"/>
+          </a:fontRef>
+        </p:style>
+        <p:txBody>
+          <a:bodyPr tIns="72000" bIns="108000" rtlCol="0" anchor="ctr"/>
+          <a:lstStyle/>
+          <a:p>
+            <a:pPr algn="ctr"/>
+            <a:r>
+              <a:rPr lang="en-GB" sz="2400" dirty="0">
+                <a:latin typeface="Arial" panose="020B0604020202020204" pitchFamily="34" charset="0"/>
+                <a:cs typeface="Arial" panose="020B0604020202020204" pitchFamily="34" charset="0"/>
+              </a:rPr>
+              <a:t>e</a:t>
+            </a:r>
+            <a:endParaRPr lang="en-SE" sz="2400" dirty="0">
+              <a:latin typeface="Arial" panose="020B0604020202020204" pitchFamily="34" charset="0"/>
+              <a:cs typeface="Arial" panose="020B0604020202020204" pitchFamily="34" charset="0"/>
+            </a:endParaRPr>
           </a:p>
         </p:txBody>
       </p:sp>
